--- a/img/devops.08.pptx
+++ b/img/devops.08.pptx
@@ -104,6 +104,11 @@
       </a:defRPr>
     </a:lvl9pPr>
   </p:defaultTextStyle>
+  <p:extLst>
+    <p:ext uri="{EFAFB233-063F-42B5-8137-9DF3F51BA10A}">
+      <p15:sldGuideLst xmlns:p15="http://schemas.microsoft.com/office/powerpoint/2012/main"/>
+    </p:ext>
+  </p:extLst>
 </p:presentation>
 </file>
 
@@ -256,7 +261,7 @@
           <a:p>
             <a:fld id="{B702FFB9-5A22-4631-9568-C04C637B366C}" type="datetimeFigureOut">
               <a:rPr lang="de-DE" smtClean="0"/>
-              <a:t>21.11.2020</a:t>
+              <a:t>24.11.2020</a:t>
             </a:fld>
             <a:endParaRPr lang="de-DE"/>
           </a:p>
@@ -456,7 +461,7 @@
           <a:p>
             <a:fld id="{B702FFB9-5A22-4631-9568-C04C637B366C}" type="datetimeFigureOut">
               <a:rPr lang="de-DE" smtClean="0"/>
-              <a:t>21.11.2020</a:t>
+              <a:t>24.11.2020</a:t>
             </a:fld>
             <a:endParaRPr lang="de-DE"/>
           </a:p>
@@ -666,7 +671,7 @@
           <a:p>
             <a:fld id="{B702FFB9-5A22-4631-9568-C04C637B366C}" type="datetimeFigureOut">
               <a:rPr lang="de-DE" smtClean="0"/>
-              <a:t>21.11.2020</a:t>
+              <a:t>24.11.2020</a:t>
             </a:fld>
             <a:endParaRPr lang="de-DE"/>
           </a:p>
@@ -866,7 +871,7 @@
           <a:p>
             <a:fld id="{B702FFB9-5A22-4631-9568-C04C637B366C}" type="datetimeFigureOut">
               <a:rPr lang="de-DE" smtClean="0"/>
-              <a:t>21.11.2020</a:t>
+              <a:t>24.11.2020</a:t>
             </a:fld>
             <a:endParaRPr lang="de-DE"/>
           </a:p>
@@ -1142,7 +1147,7 @@
           <a:p>
             <a:fld id="{B702FFB9-5A22-4631-9568-C04C637B366C}" type="datetimeFigureOut">
               <a:rPr lang="de-DE" smtClean="0"/>
-              <a:t>21.11.2020</a:t>
+              <a:t>24.11.2020</a:t>
             </a:fld>
             <a:endParaRPr lang="de-DE"/>
           </a:p>
@@ -1410,7 +1415,7 @@
           <a:p>
             <a:fld id="{B702FFB9-5A22-4631-9568-C04C637B366C}" type="datetimeFigureOut">
               <a:rPr lang="de-DE" smtClean="0"/>
-              <a:t>21.11.2020</a:t>
+              <a:t>24.11.2020</a:t>
             </a:fld>
             <a:endParaRPr lang="de-DE"/>
           </a:p>
@@ -1825,7 +1830,7 @@
           <a:p>
             <a:fld id="{B702FFB9-5A22-4631-9568-C04C637B366C}" type="datetimeFigureOut">
               <a:rPr lang="de-DE" smtClean="0"/>
-              <a:t>21.11.2020</a:t>
+              <a:t>24.11.2020</a:t>
             </a:fld>
             <a:endParaRPr lang="de-DE"/>
           </a:p>
@@ -1967,7 +1972,7 @@
           <a:p>
             <a:fld id="{B702FFB9-5A22-4631-9568-C04C637B366C}" type="datetimeFigureOut">
               <a:rPr lang="de-DE" smtClean="0"/>
-              <a:t>21.11.2020</a:t>
+              <a:t>24.11.2020</a:t>
             </a:fld>
             <a:endParaRPr lang="de-DE"/>
           </a:p>
@@ -2080,7 +2085,7 @@
           <a:p>
             <a:fld id="{B702FFB9-5A22-4631-9568-C04C637B366C}" type="datetimeFigureOut">
               <a:rPr lang="de-DE" smtClean="0"/>
-              <a:t>21.11.2020</a:t>
+              <a:t>24.11.2020</a:t>
             </a:fld>
             <a:endParaRPr lang="de-DE"/>
           </a:p>
@@ -2393,7 +2398,7 @@
           <a:p>
             <a:fld id="{B702FFB9-5A22-4631-9568-C04C637B366C}" type="datetimeFigureOut">
               <a:rPr lang="de-DE" smtClean="0"/>
-              <a:t>21.11.2020</a:t>
+              <a:t>24.11.2020</a:t>
             </a:fld>
             <a:endParaRPr lang="de-DE"/>
           </a:p>
@@ -2682,7 +2687,7 @@
           <a:p>
             <a:fld id="{B702FFB9-5A22-4631-9568-C04C637B366C}" type="datetimeFigureOut">
               <a:rPr lang="de-DE" smtClean="0"/>
-              <a:t>21.11.2020</a:t>
+              <a:t>24.11.2020</a:t>
             </a:fld>
             <a:endParaRPr lang="de-DE"/>
           </a:p>
@@ -2925,7 +2930,7 @@
           <a:p>
             <a:fld id="{B702FFB9-5A22-4631-9568-C04C637B366C}" type="datetimeFigureOut">
               <a:rPr lang="de-DE" smtClean="0"/>
-              <a:t>21.11.2020</a:t>
+              <a:t>24.11.2020</a:t>
             </a:fld>
             <a:endParaRPr lang="de-DE"/>
           </a:p>
@@ -3853,12 +3858,12 @@
               <a:t>Container </a:t>
             </a:r>
             <a:r>
-              <a:rPr lang="de-DE" dirty="0" err="1">
+              <a:rPr lang="de-DE">
                 <a:solidFill>
                   <a:schemeClr val="dk1"/>
                 </a:solidFill>
               </a:rPr>
-              <a:t>Runtimer</a:t>
+              <a:t>Runtime</a:t>
             </a:r>
             <a:endParaRPr lang="de-DE" dirty="0">
               <a:solidFill>
@@ -4206,7 +4211,7 @@
                   <a:schemeClr val="dk1"/>
                 </a:solidFill>
               </a:rPr>
-              <a:t>Runtimer</a:t>
+              <a:t>Runtime</a:t>
             </a:r>
             <a:endParaRPr lang="de-DE" dirty="0">
               <a:solidFill>

--- a/img/devops.08.pptx
+++ b/img/devops.08.pptx
@@ -3858,7 +3858,7 @@
               <a:t>Container </a:t>
             </a:r>
             <a:r>
-              <a:rPr lang="de-DE">
+              <a:rPr lang="de-DE" dirty="0" err="1">
                 <a:solidFill>
                   <a:schemeClr val="dk1"/>
                 </a:solidFill>
